--- a/mexico city trip compa.pptx
+++ b/mexico city trip compa.pptx
@@ -5,7 +5,7 @@
     <p:sldMasterId id="2147483673" r:id="rId1"/>
   </p:sldMasterIdLst>
   <p:notesMasterIdLst>
-    <p:notesMasterId r:id="rId7"/>
+    <p:notesMasterId r:id="rId11"/>
   </p:notesMasterIdLst>
   <p:sldIdLst>
     <p:sldId id="256" r:id="rId2"/>
@@ -13,6 +13,10 @@
     <p:sldId id="258" r:id="rId4"/>
     <p:sldId id="259" r:id="rId5"/>
     <p:sldId id="260" r:id="rId6"/>
+    <p:sldId id="261" r:id="rId7"/>
+    <p:sldId id="262" r:id="rId8"/>
+    <p:sldId id="263" r:id="rId9"/>
+    <p:sldId id="264" r:id="rId10"/>
   </p:sldIdLst>
   <p:sldSz cx="12192000" cy="6858000"/>
   <p:notesSz cx="6858000" cy="9144000"/>
@@ -111,6 +115,11 @@
       </a:defRPr>
     </a:lvl9pPr>
   </p:defaultTextStyle>
+  <p:extLst>
+    <p:ext uri="{EFAFB233-063F-42B5-8137-9DF3F51BA10A}">
+      <p15:sldGuideLst xmlns:p15="http://schemas.microsoft.com/office/powerpoint/2012/main"/>
+    </p:ext>
+  </p:extLst>
 </p:presentation>
 </file>
 
@@ -622,6 +631,90 @@
     <p:extLst>
       <p:ext uri="{BB962C8B-B14F-4D97-AF65-F5344CB8AC3E}">
         <p14:creationId xmlns:p14="http://schemas.microsoft.com/office/powerpoint/2010/main" val="1610601638"/>
+      </p:ext>
+    </p:extLst>
+  </p:cSld>
+  <p:clrMapOvr>
+    <a:masterClrMapping/>
+  </p:clrMapOvr>
+</p:notes>
+</file>
+
+<file path=ppt/notesSlides/notesSlide3.xml><?xml version="1.0" encoding="utf-8"?>
+<p:notes xmlns:a="http://schemas.openxmlformats.org/drawingml/2006/main" xmlns:r="http://schemas.openxmlformats.org/officeDocument/2006/relationships" xmlns:p="http://schemas.openxmlformats.org/presentationml/2006/main">
+  <p:cSld>
+    <p:spTree>
+      <p:nvGrpSpPr>
+        <p:cNvPr id="1" name=""/>
+        <p:cNvGrpSpPr/>
+        <p:nvPr/>
+      </p:nvGrpSpPr>
+      <p:grpSpPr>
+        <a:xfrm>
+          <a:off x="0" y="0"/>
+          <a:ext cx="0" cy="0"/>
+          <a:chOff x="0" y="0"/>
+          <a:chExt cx="0" cy="0"/>
+        </a:xfrm>
+      </p:grpSpPr>
+      <p:sp>
+        <p:nvSpPr>
+          <p:cNvPr id="2" name="Slide Image Placeholder 1"/>
+          <p:cNvSpPr>
+            <a:spLocks noGrp="1" noRot="1" noChangeAspect="1"/>
+          </p:cNvSpPr>
+          <p:nvPr>
+            <p:ph type="sldImg"/>
+          </p:nvPr>
+        </p:nvSpPr>
+        <p:spPr/>
+      </p:sp>
+      <p:sp>
+        <p:nvSpPr>
+          <p:cNvPr id="3" name="Notes Placeholder 2"/>
+          <p:cNvSpPr>
+            <a:spLocks noGrp="1"/>
+          </p:cNvSpPr>
+          <p:nvPr>
+            <p:ph type="body" idx="1"/>
+          </p:nvPr>
+        </p:nvSpPr>
+        <p:spPr/>
+        <p:txBody>
+          <a:bodyPr/>
+          <a:lstStyle/>
+          <a:p>
+            <a:endParaRPr lang="en-US" dirty="0"/>
+          </a:p>
+        </p:txBody>
+      </p:sp>
+      <p:sp>
+        <p:nvSpPr>
+          <p:cNvPr id="4" name="Slide Number Placeholder 3"/>
+          <p:cNvSpPr>
+            <a:spLocks noGrp="1"/>
+          </p:cNvSpPr>
+          <p:nvPr>
+            <p:ph type="sldNum" sz="quarter" idx="5"/>
+          </p:nvPr>
+        </p:nvSpPr>
+        <p:spPr/>
+        <p:txBody>
+          <a:bodyPr/>
+          <a:lstStyle/>
+          <a:p>
+            <a:fld id="{DE827478-09EF-0B4C-9DCA-90879BE15274}" type="slidenum">
+              <a:rPr lang="en-US" smtClean="0"/>
+              <a:t>9</a:t>
+            </a:fld>
+            <a:endParaRPr lang="en-US"/>
+          </a:p>
+        </p:txBody>
+      </p:sp>
+    </p:spTree>
+    <p:extLst>
+      <p:ext uri="{BB962C8B-B14F-4D97-AF65-F5344CB8AC3E}">
+        <p14:creationId xmlns:p14="http://schemas.microsoft.com/office/powerpoint/2010/main" val="1622731437"/>
       </p:ext>
     </p:extLst>
   </p:cSld>
@@ -4465,6 +4558,14 @@
 <file path=ppt/slides/slide3.xml><?xml version="1.0" encoding="utf-8"?>
 <p:sld xmlns:a="http://schemas.openxmlformats.org/drawingml/2006/main" xmlns:r="http://schemas.openxmlformats.org/officeDocument/2006/relationships" xmlns:p="http://schemas.openxmlformats.org/presentationml/2006/main">
   <p:cSld>
+    <p:bg>
+      <p:bgPr>
+        <a:solidFill>
+          <a:schemeClr val="bg1"/>
+        </a:solidFill>
+        <a:effectLst/>
+      </p:bgPr>
+    </p:bg>
     <p:spTree>
       <p:nvGrpSpPr>
         <p:cNvPr id="1" name=""/>
@@ -4481,6 +4582,85 @@
       </p:grpSpPr>
       <p:sp>
         <p:nvSpPr>
+          <p:cNvPr id="12" name="Rectangle 11">
+            <a:extLst>
+              <a:ext uri="{FF2B5EF4-FFF2-40B4-BE49-F238E27FC236}">
+                <a16:creationId xmlns:a16="http://schemas.microsoft.com/office/drawing/2014/main" id="{35A92A98-187D-1D81-86FD-8D40CC69B622}"/>
+              </a:ext>
+              <a:ext uri="{C183D7F6-B498-43B3-948B-1728B52AA6E4}">
+                <adec:decorative xmlns:adec="http://schemas.microsoft.com/office/drawing/2017/decorative" val="1"/>
+              </a:ext>
+            </a:extLst>
+          </p:cNvPr>
+          <p:cNvSpPr>
+            <a:spLocks noGrp="1" noRot="1" noChangeAspect="1" noMove="1" noResize="1" noEditPoints="1" noAdjustHandles="1" noChangeArrowheads="1" noChangeShapeType="1" noTextEdit="1"/>
+          </p:cNvSpPr>
+          <p:nvPr>
+            <p:extLst>
+              <p:ext uri="{386F3935-93C4-4BCD-93E2-E3B085C9AB24}">
+                <p16:designElem xmlns:p16="http://schemas.microsoft.com/office/powerpoint/2015/main" val="1"/>
+              </p:ext>
+            </p:extLst>
+          </p:nvPr>
+        </p:nvSpPr>
+        <p:spPr>
+          <a:xfrm>
+            <a:off x="0" y="0"/>
+            <a:ext cx="12192000" cy="6858000"/>
+          </a:xfrm>
+          <a:prstGeom prst="rect">
+            <a:avLst/>
+          </a:prstGeom>
+          <a:solidFill>
+            <a:schemeClr val="bg1"/>
+          </a:solidFill>
+          <a:ln w="12700" cap="flat" cmpd="sng" algn="ctr">
+            <a:noFill/>
+            <a:prstDash val="solid"/>
+            <a:miter lim="800000"/>
+          </a:ln>
+          <a:effectLst/>
+          <a:extLst>
+            <a:ext uri="{91240B29-F687-4F45-9708-019B960494DF}">
+              <a14:hiddenLine xmlns:a14="http://schemas.microsoft.com/office/drawing/2010/main" w="12700" cap="flat" cmpd="sng" algn="ctr">
+                <a:solidFill>
+                  <a:schemeClr val="accent1">
+                    <a:shade val="15000"/>
+                  </a:schemeClr>
+                </a:solidFill>
+                <a:prstDash val="solid"/>
+                <a:miter lim="800000"/>
+              </a14:hiddenLine>
+            </a:ext>
+          </a:extLst>
+        </p:spPr>
+        <p:style>
+          <a:lnRef idx="2">
+            <a:schemeClr val="accent1">
+              <a:shade val="15000"/>
+            </a:schemeClr>
+          </a:lnRef>
+          <a:fillRef idx="1">
+            <a:schemeClr val="accent1"/>
+          </a:fillRef>
+          <a:effectRef idx="0">
+            <a:schemeClr val="accent1"/>
+          </a:effectRef>
+          <a:fontRef idx="minor">
+            <a:schemeClr val="lt1"/>
+          </a:fontRef>
+        </p:style>
+        <p:txBody>
+          <a:bodyPr rtlCol="0" anchor="ctr"/>
+          <a:lstStyle/>
+          <a:p>
+            <a:pPr algn="ctr"/>
+            <a:endParaRPr lang="en-US"/>
+          </a:p>
+        </p:txBody>
+      </p:sp>
+      <p:sp>
+        <p:nvSpPr>
           <p:cNvPr id="2" name="Title 1">
             <a:extLst>
               <a:ext uri="{FF2B5EF4-FFF2-40B4-BE49-F238E27FC236}">
@@ -4495,43 +4675,87 @@
             <p:ph type="title"/>
           </p:nvPr>
         </p:nvSpPr>
-        <p:spPr/>
-        <p:txBody>
-          <a:bodyPr/>
-          <a:lstStyle/>
-          <a:p>
-            <a:r>
-              <a:rPr lang="en-US" dirty="0"/>
-              <a:t>2007 vs 2017 single mode distribution</a:t>
-            </a:r>
-          </a:p>
-        </p:txBody>
-      </p:sp>
-      <p:sp>
-        <p:nvSpPr>
-          <p:cNvPr id="3" name="Content Placeholder 2">
-            <a:extLst>
-              <a:ext uri="{FF2B5EF4-FFF2-40B4-BE49-F238E27FC236}">
-                <a16:creationId xmlns:a16="http://schemas.microsoft.com/office/drawing/2014/main" id="{FF5386FC-9F66-5DCE-678E-1218ECD171D2}"/>
-              </a:ext>
-            </a:extLst>
-          </p:cNvPr>
-          <p:cNvSpPr>
-            <a:spLocks noGrp="1"/>
-          </p:cNvSpPr>
+        <p:spPr>
+          <a:xfrm>
+            <a:off x="492940" y="473829"/>
+            <a:ext cx="11294162" cy="1170252"/>
+          </a:xfrm>
+        </p:spPr>
+        <p:txBody>
+          <a:bodyPr vert="horz" lIns="91440" tIns="45720" rIns="91440" bIns="45720" rtlCol="0" anchor="b">
+            <a:normAutofit/>
+          </a:bodyPr>
+          <a:lstStyle/>
+          <a:p>
+            <a:r>
+              <a:rPr lang="en-US" sz="4000" dirty="0"/>
+              <a:t>2007 vs 2017 single mode trip distribution</a:t>
+            </a:r>
+          </a:p>
+        </p:txBody>
+      </p:sp>
+      <p:pic>
+        <p:nvPicPr>
+          <p:cNvPr id="5" name="Content Placeholder 4" descr="A graph with different colored bars&#10;&#10;AI-generated content may be incorrect.">
+            <a:extLst>
+              <a:ext uri="{FF2B5EF4-FFF2-40B4-BE49-F238E27FC236}">
+                <a16:creationId xmlns:a16="http://schemas.microsoft.com/office/drawing/2014/main" id="{48C698C9-A0B0-DF53-3128-39C4916609D9}"/>
+              </a:ext>
+            </a:extLst>
+          </p:cNvPr>
+          <p:cNvPicPr>
+            <a:picLocks noGrp="1" noChangeAspect="1"/>
+          </p:cNvPicPr>
           <p:nvPr>
             <p:ph idx="1"/>
           </p:nvPr>
-        </p:nvSpPr>
-        <p:spPr/>
-        <p:txBody>
-          <a:bodyPr/>
-          <a:lstStyle/>
-          <a:p>
-            <a:endParaRPr lang="en-US"/>
-          </a:p>
-        </p:txBody>
-      </p:sp>
+        </p:nvPicPr>
+        <p:blipFill>
+          <a:blip r:embed="rId2"/>
+          <a:stretch>
+            <a:fillRect/>
+          </a:stretch>
+        </p:blipFill>
+        <p:spPr>
+          <a:xfrm>
+            <a:off x="755278" y="1778654"/>
+            <a:ext cx="5297213" cy="3840480"/>
+          </a:xfrm>
+          <a:prstGeom prst="rect">
+            <a:avLst/>
+          </a:prstGeom>
+        </p:spPr>
+      </p:pic>
+      <p:pic>
+        <p:nvPicPr>
+          <p:cNvPr id="7" name="Picture 6" descr="A graph of different colored squares&#10;&#10;AI-generated content may be incorrect.">
+            <a:extLst>
+              <a:ext uri="{FF2B5EF4-FFF2-40B4-BE49-F238E27FC236}">
+                <a16:creationId xmlns:a16="http://schemas.microsoft.com/office/drawing/2014/main" id="{E8DC1045-280E-4CCD-0715-5E02D7A626E1}"/>
+              </a:ext>
+            </a:extLst>
+          </p:cNvPr>
+          <p:cNvPicPr>
+            <a:picLocks noChangeAspect="1"/>
+          </p:cNvPicPr>
+          <p:nvPr/>
+        </p:nvPicPr>
+        <p:blipFill>
+          <a:blip r:embed="rId3"/>
+          <a:stretch>
+            <a:fillRect/>
+          </a:stretch>
+        </p:blipFill>
+        <p:spPr>
+          <a:xfrm>
+            <a:off x="6210925" y="1778654"/>
+            <a:ext cx="5297213" cy="3840480"/>
+          </a:xfrm>
+          <a:prstGeom prst="rect">
+            <a:avLst/>
+          </a:prstGeom>
+        </p:spPr>
+      </p:pic>
     </p:spTree>
     <p:extLst>
       <p:ext uri="{BB962C8B-B14F-4D97-AF65-F5344CB8AC3E}">
@@ -4616,7 +4840,12 @@
             <p:ph idx="1"/>
           </p:nvPr>
         </p:nvSpPr>
-        <p:spPr/>
+        <p:spPr>
+          <a:xfrm>
+            <a:off x="612648" y="1395663"/>
+            <a:ext cx="10653579" cy="4593828"/>
+          </a:xfrm>
+        </p:spPr>
         <p:txBody>
           <a:bodyPr/>
           <a:lstStyle/>
@@ -4628,6 +4857,36 @@
           </a:p>
         </p:txBody>
       </p:sp>
+      <p:pic>
+        <p:nvPicPr>
+          <p:cNvPr id="7" name="Picture 6" descr="A graph with different colored squares&#10;&#10;AI-generated content may be incorrect.">
+            <a:extLst>
+              <a:ext uri="{FF2B5EF4-FFF2-40B4-BE49-F238E27FC236}">
+                <a16:creationId xmlns:a16="http://schemas.microsoft.com/office/drawing/2014/main" id="{6AEFB5E3-9EA3-ADFD-795C-7A4B8CF935DF}"/>
+              </a:ext>
+            </a:extLst>
+          </p:cNvPr>
+          <p:cNvPicPr>
+            <a:picLocks noChangeAspect="1"/>
+          </p:cNvPicPr>
+          <p:nvPr/>
+        </p:nvPicPr>
+        <p:blipFill>
+          <a:blip r:embed="rId3"/>
+          <a:stretch>
+            <a:fillRect/>
+          </a:stretch>
+        </p:blipFill>
+        <p:spPr>
+          <a:xfrm>
+            <a:off x="2053237" y="2334928"/>
+            <a:ext cx="7772400" cy="3886200"/>
+          </a:xfrm>
+          <a:prstGeom prst="rect">
+            <a:avLst/>
+          </a:prstGeom>
+        </p:spPr>
+      </p:pic>
     </p:spTree>
     <p:extLst>
       <p:ext uri="{BB962C8B-B14F-4D97-AF65-F5344CB8AC3E}">
@@ -4718,7 +4977,12 @@
             <p:ph idx="1"/>
           </p:nvPr>
         </p:nvSpPr>
-        <p:spPr/>
+        <p:spPr>
+          <a:xfrm>
+            <a:off x="612648" y="1395663"/>
+            <a:ext cx="10653579" cy="1020278"/>
+          </a:xfrm>
+        </p:spPr>
         <p:txBody>
           <a:bodyPr/>
           <a:lstStyle/>
@@ -4730,6 +4994,36 @@
           </a:p>
         </p:txBody>
       </p:sp>
+      <p:pic>
+        <p:nvPicPr>
+          <p:cNvPr id="7" name="Picture 6" descr="A graph with numbers and a red line&#10;&#10;AI-generated content may be incorrect.">
+            <a:extLst>
+              <a:ext uri="{FF2B5EF4-FFF2-40B4-BE49-F238E27FC236}">
+                <a16:creationId xmlns:a16="http://schemas.microsoft.com/office/drawing/2014/main" id="{CFDE38E4-814C-A299-76CC-48E1824B9836}"/>
+              </a:ext>
+            </a:extLst>
+          </p:cNvPr>
+          <p:cNvPicPr>
+            <a:picLocks noChangeAspect="1"/>
+          </p:cNvPicPr>
+          <p:nvPr/>
+        </p:nvPicPr>
+        <p:blipFill>
+          <a:blip r:embed="rId4"/>
+          <a:stretch>
+            <a:fillRect/>
+          </a:stretch>
+        </p:blipFill>
+        <p:spPr>
+          <a:xfrm>
+            <a:off x="2209800" y="2415941"/>
+            <a:ext cx="7772400" cy="3886200"/>
+          </a:xfrm>
+          <a:prstGeom prst="rect">
+            <a:avLst/>
+          </a:prstGeom>
+        </p:spPr>
+      </p:pic>
     </p:spTree>
     <p:extLst>
       <p:ext uri="{BB962C8B-B14F-4D97-AF65-F5344CB8AC3E}">
@@ -4739,6 +5033,754 @@
   </p:cSld>
   <p:clrMapOvr>
     <a:overrideClrMapping bg1="lt1" tx1="dk1" bg2="lt2" tx2="dk2" accent1="accent1" accent2="accent2" accent3="accent3" accent4="accent4" accent5="accent5" accent6="accent6" hlink="hlink" folHlink="folHlink"/>
+  </p:clrMapOvr>
+</p:sld>
+</file>
+
+<file path=ppt/slides/slide6.xml><?xml version="1.0" encoding="utf-8"?>
+<p:sld xmlns:a="http://schemas.openxmlformats.org/drawingml/2006/main" xmlns:r="http://schemas.openxmlformats.org/officeDocument/2006/relationships" xmlns:p="http://schemas.openxmlformats.org/presentationml/2006/main">
+  <p:cSld>
+    <p:bg>
+      <p:bgPr>
+        <a:solidFill>
+          <a:schemeClr val="bg1"/>
+        </a:solidFill>
+        <a:effectLst/>
+      </p:bgPr>
+    </p:bg>
+    <p:spTree>
+      <p:nvGrpSpPr>
+        <p:cNvPr id="1" name=""/>
+        <p:cNvGrpSpPr/>
+        <p:nvPr/>
+      </p:nvGrpSpPr>
+      <p:grpSpPr>
+        <a:xfrm>
+          <a:off x="0" y="0"/>
+          <a:ext cx="0" cy="0"/>
+          <a:chOff x="0" y="0"/>
+          <a:chExt cx="0" cy="0"/>
+        </a:xfrm>
+      </p:grpSpPr>
+      <p:sp>
+        <p:nvSpPr>
+          <p:cNvPr id="15" name="Rectangle 14">
+            <a:extLst>
+              <a:ext uri="{FF2B5EF4-FFF2-40B4-BE49-F238E27FC236}">
+                <a16:creationId xmlns:a16="http://schemas.microsoft.com/office/drawing/2014/main" id="{7F3E6F82-836B-858F-ADED-19E9A71A0081}"/>
+              </a:ext>
+              <a:ext uri="{C183D7F6-B498-43B3-948B-1728B52AA6E4}">
+                <adec:decorative xmlns:adec="http://schemas.microsoft.com/office/drawing/2017/decorative" val="1"/>
+              </a:ext>
+            </a:extLst>
+          </p:cNvPr>
+          <p:cNvSpPr>
+            <a:spLocks noGrp="1" noRot="1" noChangeAspect="1" noMove="1" noResize="1" noEditPoints="1" noAdjustHandles="1" noChangeArrowheads="1" noChangeShapeType="1" noTextEdit="1"/>
+          </p:cNvSpPr>
+          <p:nvPr>
+            <p:extLst>
+              <p:ext uri="{386F3935-93C4-4BCD-93E2-E3B085C9AB24}">
+                <p16:designElem xmlns:p16="http://schemas.microsoft.com/office/powerpoint/2015/main" val="1"/>
+              </p:ext>
+            </p:extLst>
+          </p:nvPr>
+        </p:nvSpPr>
+        <p:spPr>
+          <a:xfrm>
+            <a:off x="0" y="0"/>
+            <a:ext cx="12192000" cy="6858000"/>
+          </a:xfrm>
+          <a:prstGeom prst="rect">
+            <a:avLst/>
+          </a:prstGeom>
+          <a:solidFill>
+            <a:schemeClr val="bg1"/>
+          </a:solidFill>
+          <a:ln w="12700" cap="flat" cmpd="sng" algn="ctr">
+            <a:noFill/>
+            <a:prstDash val="solid"/>
+            <a:miter lim="800000"/>
+          </a:ln>
+          <a:effectLst/>
+          <a:extLst>
+            <a:ext uri="{91240B29-F687-4F45-9708-019B960494DF}">
+              <a14:hiddenLine xmlns:a14="http://schemas.microsoft.com/office/drawing/2010/main" w="12700" cap="flat" cmpd="sng" algn="ctr">
+                <a:solidFill>
+                  <a:schemeClr val="accent1">
+                    <a:shade val="15000"/>
+                  </a:schemeClr>
+                </a:solidFill>
+                <a:prstDash val="solid"/>
+                <a:miter lim="800000"/>
+              </a14:hiddenLine>
+            </a:ext>
+          </a:extLst>
+        </p:spPr>
+        <p:style>
+          <a:lnRef idx="2">
+            <a:schemeClr val="accent1">
+              <a:shade val="15000"/>
+            </a:schemeClr>
+          </a:lnRef>
+          <a:fillRef idx="1">
+            <a:schemeClr val="accent1"/>
+          </a:fillRef>
+          <a:effectRef idx="0">
+            <a:schemeClr val="accent1"/>
+          </a:effectRef>
+          <a:fontRef idx="minor">
+            <a:schemeClr val="lt1"/>
+          </a:fontRef>
+        </p:style>
+        <p:txBody>
+          <a:bodyPr rtlCol="0" anchor="ctr"/>
+          <a:lstStyle/>
+          <a:p>
+            <a:pPr algn="ctr"/>
+            <a:endParaRPr lang="en-US"/>
+          </a:p>
+        </p:txBody>
+      </p:sp>
+      <p:sp>
+        <p:nvSpPr>
+          <p:cNvPr id="2" name="Title 1">
+            <a:extLst>
+              <a:ext uri="{FF2B5EF4-FFF2-40B4-BE49-F238E27FC236}">
+                <a16:creationId xmlns:a16="http://schemas.microsoft.com/office/drawing/2014/main" id="{A0C11B60-4E50-A60D-382C-B89AA7608874}"/>
+              </a:ext>
+            </a:extLst>
+          </p:cNvPr>
+          <p:cNvSpPr>
+            <a:spLocks noGrp="1"/>
+          </p:cNvSpPr>
+          <p:nvPr>
+            <p:ph type="title"/>
+          </p:nvPr>
+        </p:nvSpPr>
+        <p:spPr>
+          <a:xfrm>
+            <a:off x="1729740" y="454924"/>
+            <a:ext cx="8732520" cy="905256"/>
+          </a:xfrm>
+        </p:spPr>
+        <p:txBody>
+          <a:bodyPr vert="horz" lIns="91440" tIns="45720" rIns="91440" bIns="45720" rtlCol="0" anchor="b">
+            <a:normAutofit/>
+          </a:bodyPr>
+          <a:lstStyle/>
+          <a:p>
+            <a:pPr algn="ctr"/>
+            <a:r>
+              <a:rPr lang="en-US" sz="3700"/>
+              <a:t>Metro multimodal trip comparison</a:t>
+            </a:r>
+          </a:p>
+        </p:txBody>
+      </p:sp>
+      <p:pic>
+        <p:nvPicPr>
+          <p:cNvPr id="7" name="Picture 6" descr="A graph with different colored squares&#10;&#10;AI-generated content may be incorrect.">
+            <a:extLst>
+              <a:ext uri="{FF2B5EF4-FFF2-40B4-BE49-F238E27FC236}">
+                <a16:creationId xmlns:a16="http://schemas.microsoft.com/office/drawing/2014/main" id="{895C1705-E4A1-38C5-A389-CC5D1A933722}"/>
+              </a:ext>
+            </a:extLst>
+          </p:cNvPr>
+          <p:cNvPicPr>
+            <a:picLocks noChangeAspect="1"/>
+          </p:cNvPicPr>
+          <p:nvPr/>
+        </p:nvPicPr>
+        <p:blipFill>
+          <a:blip r:embed="rId2"/>
+          <a:stretch>
+            <a:fillRect/>
+          </a:stretch>
+        </p:blipFill>
+        <p:spPr>
+          <a:xfrm>
+            <a:off x="411740" y="2362952"/>
+            <a:ext cx="5567617" cy="2783807"/>
+          </a:xfrm>
+          <a:prstGeom prst="rect">
+            <a:avLst/>
+          </a:prstGeom>
+        </p:spPr>
+      </p:pic>
+      <p:pic>
+        <p:nvPicPr>
+          <p:cNvPr id="9" name="Picture 8" descr="A graph with numbers and a red line&#10;&#10;AI-generated content may be incorrect.">
+            <a:extLst>
+              <a:ext uri="{FF2B5EF4-FFF2-40B4-BE49-F238E27FC236}">
+                <a16:creationId xmlns:a16="http://schemas.microsoft.com/office/drawing/2014/main" id="{5E940B10-05DA-8D32-1DB6-12C7B1B8288A}"/>
+              </a:ext>
+            </a:extLst>
+          </p:cNvPr>
+          <p:cNvPicPr>
+            <a:picLocks noChangeAspect="1"/>
+          </p:cNvPicPr>
+          <p:nvPr/>
+        </p:nvPicPr>
+        <p:blipFill>
+          <a:blip r:embed="rId3"/>
+          <a:stretch>
+            <a:fillRect/>
+          </a:stretch>
+        </p:blipFill>
+        <p:spPr>
+          <a:xfrm>
+            <a:off x="6210024" y="2362952"/>
+            <a:ext cx="5625723" cy="2812860"/>
+          </a:xfrm>
+          <a:prstGeom prst="rect">
+            <a:avLst/>
+          </a:prstGeom>
+        </p:spPr>
+      </p:pic>
+    </p:spTree>
+    <p:extLst>
+      <p:ext uri="{BB962C8B-B14F-4D97-AF65-F5344CB8AC3E}">
+        <p14:creationId xmlns:p14="http://schemas.microsoft.com/office/powerpoint/2010/main" val="2541917027"/>
+      </p:ext>
+    </p:extLst>
+  </p:cSld>
+  <p:clrMapOvr>
+    <a:masterClrMapping/>
+  </p:clrMapOvr>
+</p:sld>
+</file>
+
+<file path=ppt/slides/slide7.xml><?xml version="1.0" encoding="utf-8"?>
+<p:sld xmlns:a="http://schemas.openxmlformats.org/drawingml/2006/main" xmlns:r="http://schemas.openxmlformats.org/officeDocument/2006/relationships" xmlns:p="http://schemas.openxmlformats.org/presentationml/2006/main">
+  <p:cSld>
+    <p:bg>
+      <p:bgPr>
+        <a:solidFill>
+          <a:schemeClr val="bg1"/>
+        </a:solidFill>
+        <a:effectLst/>
+      </p:bgPr>
+    </p:bg>
+    <p:spTree>
+      <p:nvGrpSpPr>
+        <p:cNvPr id="1" name=""/>
+        <p:cNvGrpSpPr/>
+        <p:nvPr/>
+      </p:nvGrpSpPr>
+      <p:grpSpPr>
+        <a:xfrm>
+          <a:off x="0" y="0"/>
+          <a:ext cx="0" cy="0"/>
+          <a:chOff x="0" y="0"/>
+          <a:chExt cx="0" cy="0"/>
+        </a:xfrm>
+      </p:grpSpPr>
+      <p:sp>
+        <p:nvSpPr>
+          <p:cNvPr id="19" name="Rectangle 18">
+            <a:extLst>
+              <a:ext uri="{FF2B5EF4-FFF2-40B4-BE49-F238E27FC236}">
+                <a16:creationId xmlns:a16="http://schemas.microsoft.com/office/drawing/2014/main" id="{7F3E6F82-836B-858F-ADED-19E9A71A0081}"/>
+              </a:ext>
+              <a:ext uri="{C183D7F6-B498-43B3-948B-1728B52AA6E4}">
+                <adec:decorative xmlns:adec="http://schemas.microsoft.com/office/drawing/2017/decorative" val="1"/>
+              </a:ext>
+            </a:extLst>
+          </p:cNvPr>
+          <p:cNvSpPr>
+            <a:spLocks noGrp="1" noRot="1" noChangeAspect="1" noMove="1" noResize="1" noEditPoints="1" noAdjustHandles="1" noChangeArrowheads="1" noChangeShapeType="1" noTextEdit="1"/>
+          </p:cNvSpPr>
+          <p:nvPr>
+            <p:extLst>
+              <p:ext uri="{386F3935-93C4-4BCD-93E2-E3B085C9AB24}">
+                <p16:designElem xmlns:p16="http://schemas.microsoft.com/office/powerpoint/2015/main" val="1"/>
+              </p:ext>
+            </p:extLst>
+          </p:nvPr>
+        </p:nvSpPr>
+        <p:spPr>
+          <a:xfrm>
+            <a:off x="0" y="0"/>
+            <a:ext cx="12192000" cy="6858000"/>
+          </a:xfrm>
+          <a:prstGeom prst="rect">
+            <a:avLst/>
+          </a:prstGeom>
+          <a:solidFill>
+            <a:schemeClr val="bg1"/>
+          </a:solidFill>
+          <a:ln w="12700" cap="flat" cmpd="sng" algn="ctr">
+            <a:noFill/>
+            <a:prstDash val="solid"/>
+            <a:miter lim="800000"/>
+          </a:ln>
+          <a:effectLst/>
+          <a:extLst>
+            <a:ext uri="{91240B29-F687-4F45-9708-019B960494DF}">
+              <a14:hiddenLine xmlns:a14="http://schemas.microsoft.com/office/drawing/2010/main" w="12700" cap="flat" cmpd="sng" algn="ctr">
+                <a:solidFill>
+                  <a:schemeClr val="accent1">
+                    <a:shade val="15000"/>
+                  </a:schemeClr>
+                </a:solidFill>
+                <a:prstDash val="solid"/>
+                <a:miter lim="800000"/>
+              </a14:hiddenLine>
+            </a:ext>
+          </a:extLst>
+        </p:spPr>
+        <p:style>
+          <a:lnRef idx="2">
+            <a:schemeClr val="accent1">
+              <a:shade val="15000"/>
+            </a:schemeClr>
+          </a:lnRef>
+          <a:fillRef idx="1">
+            <a:schemeClr val="accent1"/>
+          </a:fillRef>
+          <a:effectRef idx="0">
+            <a:schemeClr val="accent1"/>
+          </a:effectRef>
+          <a:fontRef idx="minor">
+            <a:schemeClr val="lt1"/>
+          </a:fontRef>
+        </p:style>
+        <p:txBody>
+          <a:bodyPr rtlCol="0" anchor="ctr"/>
+          <a:lstStyle/>
+          <a:p>
+            <a:pPr algn="ctr"/>
+            <a:endParaRPr lang="en-US"/>
+          </a:p>
+        </p:txBody>
+      </p:sp>
+      <p:sp>
+        <p:nvSpPr>
+          <p:cNvPr id="2" name="Title 1">
+            <a:extLst>
+              <a:ext uri="{FF2B5EF4-FFF2-40B4-BE49-F238E27FC236}">
+                <a16:creationId xmlns:a16="http://schemas.microsoft.com/office/drawing/2014/main" id="{A3AFD4CD-6A66-18DB-C1B2-4A05B057714F}"/>
+              </a:ext>
+            </a:extLst>
+          </p:cNvPr>
+          <p:cNvSpPr>
+            <a:spLocks noGrp="1"/>
+          </p:cNvSpPr>
+          <p:nvPr>
+            <p:ph type="title"/>
+          </p:nvPr>
+        </p:nvSpPr>
+        <p:spPr>
+          <a:xfrm>
+            <a:off x="1729740" y="454924"/>
+            <a:ext cx="8732520" cy="905256"/>
+          </a:xfrm>
+        </p:spPr>
+        <p:txBody>
+          <a:bodyPr vert="horz" lIns="91440" tIns="45720" rIns="91440" bIns="45720" rtlCol="0" anchor="b">
+            <a:normAutofit/>
+          </a:bodyPr>
+          <a:lstStyle/>
+          <a:p>
+            <a:pPr algn="ctr"/>
+            <a:r>
+              <a:rPr lang="en-US" sz="4400" dirty="0"/>
+              <a:t>BRT (0.5% vs. 1.1%)</a:t>
+            </a:r>
+          </a:p>
+        </p:txBody>
+      </p:sp>
+      <p:pic>
+        <p:nvPicPr>
+          <p:cNvPr id="11" name="Picture 10" descr="A graph with a bar and text&#10;&#10;AI-generated content may be incorrect.">
+            <a:extLst>
+              <a:ext uri="{FF2B5EF4-FFF2-40B4-BE49-F238E27FC236}">
+                <a16:creationId xmlns:a16="http://schemas.microsoft.com/office/drawing/2014/main" id="{3B1EA71B-EF60-F60E-D860-D289E4556CAD}"/>
+              </a:ext>
+            </a:extLst>
+          </p:cNvPr>
+          <p:cNvPicPr>
+            <a:picLocks noChangeAspect="1"/>
+          </p:cNvPicPr>
+          <p:nvPr/>
+        </p:nvPicPr>
+        <p:blipFill>
+          <a:blip r:embed="rId2"/>
+          <a:stretch>
+            <a:fillRect/>
+          </a:stretch>
+        </p:blipFill>
+        <p:spPr>
+          <a:xfrm>
+            <a:off x="411740" y="2362952"/>
+            <a:ext cx="5567617" cy="2018261"/>
+          </a:xfrm>
+          <a:prstGeom prst="rect">
+            <a:avLst/>
+          </a:prstGeom>
+        </p:spPr>
+      </p:pic>
+      <p:pic>
+        <p:nvPicPr>
+          <p:cNvPr id="14" name="Picture 13" descr="A graph with a bar&#10;&#10;AI-generated content may be incorrect.">
+            <a:extLst>
+              <a:ext uri="{FF2B5EF4-FFF2-40B4-BE49-F238E27FC236}">
+                <a16:creationId xmlns:a16="http://schemas.microsoft.com/office/drawing/2014/main" id="{91D7FC37-D224-3B8D-A540-76CB45ACF329}"/>
+              </a:ext>
+            </a:extLst>
+          </p:cNvPr>
+          <p:cNvPicPr>
+            <a:picLocks noChangeAspect="1"/>
+          </p:cNvPicPr>
+          <p:nvPr/>
+        </p:nvPicPr>
+        <p:blipFill>
+          <a:blip r:embed="rId3"/>
+          <a:stretch>
+            <a:fillRect/>
+          </a:stretch>
+        </p:blipFill>
+        <p:spPr>
+          <a:xfrm>
+            <a:off x="6210024" y="2362952"/>
+            <a:ext cx="5625723" cy="2039324"/>
+          </a:xfrm>
+          <a:prstGeom prst="rect">
+            <a:avLst/>
+          </a:prstGeom>
+        </p:spPr>
+      </p:pic>
+    </p:spTree>
+    <p:extLst>
+      <p:ext uri="{BB962C8B-B14F-4D97-AF65-F5344CB8AC3E}">
+        <p14:creationId xmlns:p14="http://schemas.microsoft.com/office/powerpoint/2010/main" val="2872461218"/>
+      </p:ext>
+    </p:extLst>
+  </p:cSld>
+  <p:clrMapOvr>
+    <a:masterClrMapping/>
+  </p:clrMapOvr>
+</p:sld>
+</file>
+
+<file path=ppt/slides/slide8.xml><?xml version="1.0" encoding="utf-8"?>
+<p:sld xmlns:a="http://schemas.openxmlformats.org/drawingml/2006/main" xmlns:r="http://schemas.openxmlformats.org/officeDocument/2006/relationships" xmlns:p="http://schemas.openxmlformats.org/presentationml/2006/main">
+  <p:cSld>
+    <p:bg>
+      <p:bgPr>
+        <a:solidFill>
+          <a:schemeClr val="bg1"/>
+        </a:solidFill>
+        <a:effectLst/>
+      </p:bgPr>
+    </p:bg>
+    <p:spTree>
+      <p:nvGrpSpPr>
+        <p:cNvPr id="1" name=""/>
+        <p:cNvGrpSpPr/>
+        <p:nvPr/>
+      </p:nvGrpSpPr>
+      <p:grpSpPr>
+        <a:xfrm>
+          <a:off x="0" y="0"/>
+          <a:ext cx="0" cy="0"/>
+          <a:chOff x="0" y="0"/>
+          <a:chExt cx="0" cy="0"/>
+        </a:xfrm>
+      </p:grpSpPr>
+      <p:sp>
+        <p:nvSpPr>
+          <p:cNvPr id="12" name="Rectangle 11">
+            <a:extLst>
+              <a:ext uri="{FF2B5EF4-FFF2-40B4-BE49-F238E27FC236}">
+                <a16:creationId xmlns:a16="http://schemas.microsoft.com/office/drawing/2014/main" id="{7F3E6F82-836B-858F-ADED-19E9A71A0081}"/>
+              </a:ext>
+              <a:ext uri="{C183D7F6-B498-43B3-948B-1728B52AA6E4}">
+                <adec:decorative xmlns:adec="http://schemas.microsoft.com/office/drawing/2017/decorative" val="1"/>
+              </a:ext>
+            </a:extLst>
+          </p:cNvPr>
+          <p:cNvSpPr>
+            <a:spLocks noGrp="1" noRot="1" noChangeAspect="1" noMove="1" noResize="1" noEditPoints="1" noAdjustHandles="1" noChangeArrowheads="1" noChangeShapeType="1" noTextEdit="1"/>
+          </p:cNvSpPr>
+          <p:nvPr>
+            <p:extLst>
+              <p:ext uri="{386F3935-93C4-4BCD-93E2-E3B085C9AB24}">
+                <p16:designElem xmlns:p16="http://schemas.microsoft.com/office/powerpoint/2015/main" val="1"/>
+              </p:ext>
+            </p:extLst>
+          </p:nvPr>
+        </p:nvSpPr>
+        <p:spPr>
+          <a:xfrm>
+            <a:off x="0" y="0"/>
+            <a:ext cx="12192000" cy="6858000"/>
+          </a:xfrm>
+          <a:prstGeom prst="rect">
+            <a:avLst/>
+          </a:prstGeom>
+          <a:solidFill>
+            <a:schemeClr val="bg1"/>
+          </a:solidFill>
+          <a:ln w="12700" cap="flat" cmpd="sng" algn="ctr">
+            <a:noFill/>
+            <a:prstDash val="solid"/>
+            <a:miter lim="800000"/>
+          </a:ln>
+          <a:effectLst/>
+          <a:extLst>
+            <a:ext uri="{91240B29-F687-4F45-9708-019B960494DF}">
+              <a14:hiddenLine xmlns:a14="http://schemas.microsoft.com/office/drawing/2010/main" w="12700" cap="flat" cmpd="sng" algn="ctr">
+                <a:solidFill>
+                  <a:schemeClr val="accent1">
+                    <a:shade val="15000"/>
+                  </a:schemeClr>
+                </a:solidFill>
+                <a:prstDash val="solid"/>
+                <a:miter lim="800000"/>
+              </a14:hiddenLine>
+            </a:ext>
+          </a:extLst>
+        </p:spPr>
+        <p:style>
+          <a:lnRef idx="2">
+            <a:schemeClr val="accent1">
+              <a:shade val="15000"/>
+            </a:schemeClr>
+          </a:lnRef>
+          <a:fillRef idx="1">
+            <a:schemeClr val="accent1"/>
+          </a:fillRef>
+          <a:effectRef idx="0">
+            <a:schemeClr val="accent1"/>
+          </a:effectRef>
+          <a:fontRef idx="minor">
+            <a:schemeClr val="lt1"/>
+          </a:fontRef>
+        </p:style>
+        <p:txBody>
+          <a:bodyPr rtlCol="0" anchor="ctr"/>
+          <a:lstStyle/>
+          <a:p>
+            <a:pPr algn="ctr"/>
+            <a:endParaRPr lang="en-US"/>
+          </a:p>
+        </p:txBody>
+      </p:sp>
+      <p:sp>
+        <p:nvSpPr>
+          <p:cNvPr id="2" name="Title 1">
+            <a:extLst>
+              <a:ext uri="{FF2B5EF4-FFF2-40B4-BE49-F238E27FC236}">
+                <a16:creationId xmlns:a16="http://schemas.microsoft.com/office/drawing/2014/main" id="{C8D750A9-D2DB-2C48-E4AB-6AF9D09E271B}"/>
+              </a:ext>
+            </a:extLst>
+          </p:cNvPr>
+          <p:cNvSpPr>
+            <a:spLocks noGrp="1"/>
+          </p:cNvSpPr>
+          <p:nvPr>
+            <p:ph type="title"/>
+          </p:nvPr>
+        </p:nvSpPr>
+        <p:spPr>
+          <a:xfrm>
+            <a:off x="1729740" y="454924"/>
+            <a:ext cx="8732520" cy="905256"/>
+          </a:xfrm>
+        </p:spPr>
+        <p:txBody>
+          <a:bodyPr vert="horz" lIns="91440" tIns="45720" rIns="91440" bIns="45720" rtlCol="0" anchor="b">
+            <a:normAutofit/>
+          </a:bodyPr>
+          <a:lstStyle/>
+          <a:p>
+            <a:pPr algn="ctr"/>
+            <a:r>
+              <a:rPr lang="en-US" sz="4400" dirty="0"/>
+              <a:t>Bus (2.2%vs 1.95%)</a:t>
+            </a:r>
+          </a:p>
+        </p:txBody>
+      </p:sp>
+      <p:pic>
+        <p:nvPicPr>
+          <p:cNvPr id="5" name="Content Placeholder 4" descr="A graph of different colored bars&#10;&#10;AI-generated content may be incorrect.">
+            <a:extLst>
+              <a:ext uri="{FF2B5EF4-FFF2-40B4-BE49-F238E27FC236}">
+                <a16:creationId xmlns:a16="http://schemas.microsoft.com/office/drawing/2014/main" id="{A8C16DB0-A1A1-E831-3BBC-AA25F7647892}"/>
+              </a:ext>
+            </a:extLst>
+          </p:cNvPr>
+          <p:cNvPicPr>
+            <a:picLocks noGrp="1" noChangeAspect="1"/>
+          </p:cNvPicPr>
+          <p:nvPr>
+            <p:ph idx="1"/>
+          </p:nvPr>
+        </p:nvPicPr>
+        <p:blipFill>
+          <a:blip r:embed="rId2"/>
+          <a:stretch>
+            <a:fillRect/>
+          </a:stretch>
+        </p:blipFill>
+        <p:spPr>
+          <a:xfrm>
+            <a:off x="411740" y="2362952"/>
+            <a:ext cx="5567617" cy="2018261"/>
+          </a:xfrm>
+          <a:prstGeom prst="rect">
+            <a:avLst/>
+          </a:prstGeom>
+        </p:spPr>
+      </p:pic>
+      <p:pic>
+        <p:nvPicPr>
+          <p:cNvPr id="7" name="Picture 6" descr="A graph with text and numbers&#10;&#10;AI-generated content may be incorrect.">
+            <a:extLst>
+              <a:ext uri="{FF2B5EF4-FFF2-40B4-BE49-F238E27FC236}">
+                <a16:creationId xmlns:a16="http://schemas.microsoft.com/office/drawing/2014/main" id="{BB58F2B2-D64B-0DED-A2D8-C65A8C9D9DFF}"/>
+              </a:ext>
+            </a:extLst>
+          </p:cNvPr>
+          <p:cNvPicPr>
+            <a:picLocks noChangeAspect="1"/>
+          </p:cNvPicPr>
+          <p:nvPr/>
+        </p:nvPicPr>
+        <p:blipFill>
+          <a:blip r:embed="rId3"/>
+          <a:stretch>
+            <a:fillRect/>
+          </a:stretch>
+        </p:blipFill>
+        <p:spPr>
+          <a:xfrm>
+            <a:off x="6210024" y="2362952"/>
+            <a:ext cx="5625723" cy="1870553"/>
+          </a:xfrm>
+          <a:prstGeom prst="rect">
+            <a:avLst/>
+          </a:prstGeom>
+        </p:spPr>
+      </p:pic>
+    </p:spTree>
+    <p:extLst>
+      <p:ext uri="{BB962C8B-B14F-4D97-AF65-F5344CB8AC3E}">
+        <p14:creationId xmlns:p14="http://schemas.microsoft.com/office/powerpoint/2010/main" val="3114796767"/>
+      </p:ext>
+    </p:extLst>
+  </p:cSld>
+  <p:clrMapOvr>
+    <a:masterClrMapping/>
+  </p:clrMapOvr>
+</p:sld>
+</file>
+
+<file path=ppt/slides/slide9.xml><?xml version="1.0" encoding="utf-8"?>
+<p:sld xmlns:a="http://schemas.openxmlformats.org/drawingml/2006/main" xmlns:r="http://schemas.openxmlformats.org/officeDocument/2006/relationships" xmlns:p="http://schemas.openxmlformats.org/presentationml/2006/main">
+  <p:cSld>
+    <p:spTree>
+      <p:nvGrpSpPr>
+        <p:cNvPr id="1" name=""/>
+        <p:cNvGrpSpPr/>
+        <p:nvPr/>
+      </p:nvGrpSpPr>
+      <p:grpSpPr>
+        <a:xfrm>
+          <a:off x="0" y="0"/>
+          <a:ext cx="0" cy="0"/>
+          <a:chOff x="0" y="0"/>
+          <a:chExt cx="0" cy="0"/>
+        </a:xfrm>
+      </p:grpSpPr>
+      <p:sp>
+        <p:nvSpPr>
+          <p:cNvPr id="2" name="Title 1">
+            <a:extLst>
+              <a:ext uri="{FF2B5EF4-FFF2-40B4-BE49-F238E27FC236}">
+                <a16:creationId xmlns:a16="http://schemas.microsoft.com/office/drawing/2014/main" id="{F6659788-C975-0677-4293-1E4E6B7766C9}"/>
+              </a:ext>
+            </a:extLst>
+          </p:cNvPr>
+          <p:cNvSpPr>
+            <a:spLocks noGrp="1"/>
+          </p:cNvSpPr>
+          <p:nvPr>
+            <p:ph type="title"/>
+          </p:nvPr>
+        </p:nvSpPr>
+        <p:spPr/>
+        <p:txBody>
+          <a:bodyPr/>
+          <a:lstStyle/>
+          <a:p>
+            <a:r>
+              <a:rPr lang="en-US" dirty="0"/>
+              <a:t>Problems</a:t>
+            </a:r>
+          </a:p>
+        </p:txBody>
+      </p:sp>
+      <p:sp>
+        <p:nvSpPr>
+          <p:cNvPr id="3" name="Content Placeholder 2">
+            <a:extLst>
+              <a:ext uri="{FF2B5EF4-FFF2-40B4-BE49-F238E27FC236}">
+                <a16:creationId xmlns:a16="http://schemas.microsoft.com/office/drawing/2014/main" id="{BB1964FD-E551-7A1C-9A9F-3EC66AC025A0}"/>
+              </a:ext>
+            </a:extLst>
+          </p:cNvPr>
+          <p:cNvSpPr>
+            <a:spLocks noGrp="1"/>
+          </p:cNvSpPr>
+          <p:nvPr>
+            <p:ph idx="1"/>
+          </p:nvPr>
+        </p:nvSpPr>
+        <p:spPr/>
+        <p:txBody>
+          <a:bodyPr/>
+          <a:lstStyle/>
+          <a:p>
+            <a:r>
+              <a:rPr lang="en-US" dirty="0">
+                <a:solidFill>
+                  <a:srgbClr val="FF0000"/>
+                </a:solidFill>
+              </a:rPr>
+              <a:t>Metro gives priority (no trips being double-counted).</a:t>
+            </a:r>
+          </a:p>
+          <a:p>
+            <a:r>
+              <a:rPr lang="en-US" dirty="0">
+                <a:solidFill>
+                  <a:srgbClr val="FF0000"/>
+                </a:solidFill>
+              </a:rPr>
+              <a:t>Percentage calculation? Focuses? </a:t>
+            </a:r>
+          </a:p>
+          <a:p>
+            <a:endParaRPr lang="en-US" dirty="0">
+              <a:solidFill>
+                <a:srgbClr val="FF0000"/>
+              </a:solidFill>
+            </a:endParaRPr>
+          </a:p>
+        </p:txBody>
+      </p:sp>
+    </p:spTree>
+    <p:extLst>
+      <p:ext uri="{BB962C8B-B14F-4D97-AF65-F5344CB8AC3E}">
+        <p14:creationId xmlns:p14="http://schemas.microsoft.com/office/powerpoint/2010/main" val="4014377019"/>
+      </p:ext>
+    </p:extLst>
+  </p:cSld>
+  <p:clrMapOvr>
+    <a:masterClrMapping/>
   </p:clrMapOvr>
 </p:sld>
 </file>

--- a/mexico city trip compa.pptx
+++ b/mexico city trip compa.pptx
@@ -205,7 +205,7 @@
           <a:p>
             <a:fld id="{C7149E3F-ECDA-E249-AFAB-866AB257B76A}" type="datetimeFigureOut">
               <a:rPr lang="en-US" smtClean="0"/>
-              <a:t>8/24/25</a:t>
+              <a:t>8/25/25</a:t>
             </a:fld>
             <a:endParaRPr lang="en-US"/>
           </a:p>
@@ -640,90 +640,6 @@
 </p:notes>
 </file>
 
-<file path=ppt/notesSlides/notesSlide3.xml><?xml version="1.0" encoding="utf-8"?>
-<p:notes xmlns:a="http://schemas.openxmlformats.org/drawingml/2006/main" xmlns:r="http://schemas.openxmlformats.org/officeDocument/2006/relationships" xmlns:p="http://schemas.openxmlformats.org/presentationml/2006/main">
-  <p:cSld>
-    <p:spTree>
-      <p:nvGrpSpPr>
-        <p:cNvPr id="1" name=""/>
-        <p:cNvGrpSpPr/>
-        <p:nvPr/>
-      </p:nvGrpSpPr>
-      <p:grpSpPr>
-        <a:xfrm>
-          <a:off x="0" y="0"/>
-          <a:ext cx="0" cy="0"/>
-          <a:chOff x="0" y="0"/>
-          <a:chExt cx="0" cy="0"/>
-        </a:xfrm>
-      </p:grpSpPr>
-      <p:sp>
-        <p:nvSpPr>
-          <p:cNvPr id="2" name="Slide Image Placeholder 1"/>
-          <p:cNvSpPr>
-            <a:spLocks noGrp="1" noRot="1" noChangeAspect="1"/>
-          </p:cNvSpPr>
-          <p:nvPr>
-            <p:ph type="sldImg"/>
-          </p:nvPr>
-        </p:nvSpPr>
-        <p:spPr/>
-      </p:sp>
-      <p:sp>
-        <p:nvSpPr>
-          <p:cNvPr id="3" name="Notes Placeholder 2"/>
-          <p:cNvSpPr>
-            <a:spLocks noGrp="1"/>
-          </p:cNvSpPr>
-          <p:nvPr>
-            <p:ph type="body" idx="1"/>
-          </p:nvPr>
-        </p:nvSpPr>
-        <p:spPr/>
-        <p:txBody>
-          <a:bodyPr/>
-          <a:lstStyle/>
-          <a:p>
-            <a:endParaRPr lang="en-US" dirty="0"/>
-          </a:p>
-        </p:txBody>
-      </p:sp>
-      <p:sp>
-        <p:nvSpPr>
-          <p:cNvPr id="4" name="Slide Number Placeholder 3"/>
-          <p:cNvSpPr>
-            <a:spLocks noGrp="1"/>
-          </p:cNvSpPr>
-          <p:nvPr>
-            <p:ph type="sldNum" sz="quarter" idx="5"/>
-          </p:nvPr>
-        </p:nvSpPr>
-        <p:spPr/>
-        <p:txBody>
-          <a:bodyPr/>
-          <a:lstStyle/>
-          <a:p>
-            <a:fld id="{DE827478-09EF-0B4C-9DCA-90879BE15274}" type="slidenum">
-              <a:rPr lang="en-US" smtClean="0"/>
-              <a:t>9</a:t>
-            </a:fld>
-            <a:endParaRPr lang="en-US"/>
-          </a:p>
-        </p:txBody>
-      </p:sp>
-    </p:spTree>
-    <p:extLst>
-      <p:ext uri="{BB962C8B-B14F-4D97-AF65-F5344CB8AC3E}">
-        <p14:creationId xmlns:p14="http://schemas.microsoft.com/office/powerpoint/2010/main" val="1622731437"/>
-      </p:ext>
-    </p:extLst>
-  </p:cSld>
-  <p:clrMapOvr>
-    <a:masterClrMapping/>
-  </p:clrMapOvr>
-</p:notes>
-</file>
-
 <file path=ppt/slideLayouts/slideLayout1.xml><?xml version="1.0" encoding="utf-8"?>
 <p:sldLayout xmlns:a="http://schemas.openxmlformats.org/drawingml/2006/main" xmlns:r="http://schemas.openxmlformats.org/officeDocument/2006/relationships" xmlns:p="http://schemas.openxmlformats.org/presentationml/2006/main" type="title" preserve="1">
   <p:cSld name="Title Slide">
@@ -877,7 +793,7 @@
           <a:p>
             <a:fld id="{C128FA71-3A18-48C0-980F-4B68F7F63042}" type="datetime1">
               <a:rPr lang="en-US" smtClean="0"/>
-              <a:t>8/24/25</a:t>
+              <a:t>8/25/25</a:t>
             </a:fld>
             <a:endParaRPr lang="en-US"/>
           </a:p>
@@ -1085,7 +1001,7 @@
           <a:p>
             <a:fld id="{7104EDB3-C0E8-45F8-9E1D-1B6C8D1880C0}" type="datetime1">
               <a:rPr lang="en-US" smtClean="0"/>
-              <a:t>8/24/25</a:t>
+              <a:t>8/25/25</a:t>
             </a:fld>
             <a:endParaRPr lang="en-US"/>
           </a:p>
@@ -1295,7 +1211,7 @@
           <a:p>
             <a:fld id="{9CF0EC4B-54ED-4041-B552-9BA760FA3DBA}" type="datetime1">
               <a:rPr lang="en-US" smtClean="0"/>
-              <a:t>8/24/25</a:t>
+              <a:t>8/25/25</a:t>
             </a:fld>
             <a:endParaRPr lang="en-US"/>
           </a:p>
@@ -1493,7 +1409,7 @@
           <a:p>
             <a:fld id="{51C1210E-201E-4473-82AC-2466F5386C38}" type="datetime1">
               <a:rPr lang="en-US" smtClean="0"/>
-              <a:t>8/24/25</a:t>
+              <a:t>8/25/25</a:t>
             </a:fld>
             <a:endParaRPr lang="en-US"/>
           </a:p>
@@ -1771,7 +1687,7 @@
           <a:p>
             <a:fld id="{B01EA198-6CAB-4B8F-B93F-1F9C8C4B6CE7}" type="datetime1">
               <a:rPr lang="en-US" smtClean="0"/>
-              <a:t>8/24/25</a:t>
+              <a:t>8/25/25</a:t>
             </a:fld>
             <a:endParaRPr lang="en-US"/>
           </a:p>
@@ -2043,7 +1959,7 @@
           <a:p>
             <a:fld id="{CA06041F-4525-44D5-AA4F-332294BF1F56}" type="datetime1">
               <a:rPr lang="en-US" smtClean="0"/>
-              <a:t>8/24/25</a:t>
+              <a:t>8/25/25</a:t>
             </a:fld>
             <a:endParaRPr lang="en-US"/>
           </a:p>
@@ -2467,7 +2383,7 @@
           <a:p>
             <a:fld id="{F9557091-BBDF-4EB9-BA6B-2BB67AC4FC0F}" type="datetime1">
               <a:rPr lang="en-US" smtClean="0"/>
-              <a:t>8/24/25</a:t>
+              <a:t>8/25/25</a:t>
             </a:fld>
             <a:endParaRPr lang="en-US"/>
           </a:p>
@@ -2608,7 +2524,7 @@
           <a:p>
             <a:fld id="{2D6B226B-77A6-410C-9796-083F278E0125}" type="datetime1">
               <a:rPr lang="en-US" smtClean="0"/>
-              <a:t>8/24/25</a:t>
+              <a:t>8/25/25</a:t>
             </a:fld>
             <a:endParaRPr lang="en-US"/>
           </a:p>
@@ -2721,7 +2637,7 @@
           <a:p>
             <a:fld id="{A23A578B-D289-4C40-8593-3D356C49DA58}" type="datetime1">
               <a:rPr lang="en-US" smtClean="0"/>
-              <a:t>8/24/25</a:t>
+              <a:t>8/25/25</a:t>
             </a:fld>
             <a:endParaRPr lang="en-US"/>
           </a:p>
@@ -3040,7 +2956,7 @@
           <a:p>
             <a:fld id="{713DFAE3-14DB-48A7-A80F-80DDB072CE3D}" type="datetime1">
               <a:rPr lang="en-US" smtClean="0"/>
-              <a:t>8/24/25</a:t>
+              <a:t>8/25/25</a:t>
             </a:fld>
             <a:endParaRPr lang="en-US"/>
           </a:p>
@@ -3334,7 +3250,7 @@
           <a:p>
             <a:fld id="{92C5EAEF-6478-4102-8F5D-A5FE9FC97ACB}" type="datetime1">
               <a:rPr lang="en-US" smtClean="0"/>
-              <a:t>8/24/25</a:t>
+              <a:t>8/25/25</a:t>
             </a:fld>
             <a:endParaRPr lang="en-US"/>
           </a:p>
@@ -3575,7 +3491,7 @@
           <a:p>
             <a:fld id="{67F45AC6-C491-4585-A584-9CE2AF7D5500}" type="datetime1">
               <a:rPr lang="en-US" smtClean="0"/>
-              <a:t>8/24/25</a:t>
+              <a:t>8/25/25</a:t>
             </a:fld>
             <a:endParaRPr lang="en-US"/>
           </a:p>
@@ -4582,7 +4498,7 @@
       </p:grpSpPr>
       <p:sp>
         <p:nvSpPr>
-          <p:cNvPr id="12" name="Rectangle 11">
+          <p:cNvPr id="17" name="Rectangle 16">
             <a:extLst>
               <a:ext uri="{FF2B5EF4-FFF2-40B4-BE49-F238E27FC236}">
                 <a16:creationId xmlns:a16="http://schemas.microsoft.com/office/drawing/2014/main" id="{35A92A98-187D-1D81-86FD-8D40CC69B622}"/>
@@ -4696,19 +4612,17 @@
       </p:sp>
       <p:pic>
         <p:nvPicPr>
-          <p:cNvPr id="5" name="Content Placeholder 4" descr="A graph with different colored bars&#10;&#10;AI-generated content may be incorrect.">
-            <a:extLst>
-              <a:ext uri="{FF2B5EF4-FFF2-40B4-BE49-F238E27FC236}">
-                <a16:creationId xmlns:a16="http://schemas.microsoft.com/office/drawing/2014/main" id="{48C698C9-A0B0-DF53-3128-39C4916609D9}"/>
+          <p:cNvPr id="8" name="Picture 7" descr="A graph with different colored bars&#10;&#10;AI-generated content may be incorrect.">
+            <a:extLst>
+              <a:ext uri="{FF2B5EF4-FFF2-40B4-BE49-F238E27FC236}">
+                <a16:creationId xmlns:a16="http://schemas.microsoft.com/office/drawing/2014/main" id="{A78F2C82-413E-EAE8-64E8-BB9B39BBA1F9}"/>
               </a:ext>
             </a:extLst>
           </p:cNvPr>
           <p:cNvPicPr>
-            <a:picLocks noGrp="1" noChangeAspect="1"/>
+            <a:picLocks noChangeAspect="1"/>
           </p:cNvPicPr>
-          <p:nvPr>
-            <p:ph idx="1"/>
-          </p:nvPr>
+          <p:nvPr/>
         </p:nvPicPr>
         <p:blipFill>
           <a:blip r:embed="rId2"/>
@@ -4718,7 +4632,7 @@
         </p:blipFill>
         <p:spPr>
           <a:xfrm>
-            <a:off x="755278" y="1778654"/>
+            <a:off x="6140021" y="1778654"/>
             <a:ext cx="5297213" cy="3840480"/>
           </a:xfrm>
           <a:prstGeom prst="rect">
@@ -4728,17 +4642,19 @@
       </p:pic>
       <p:pic>
         <p:nvPicPr>
-          <p:cNvPr id="7" name="Picture 6" descr="A graph of different colored squares&#10;&#10;AI-generated content may be incorrect.">
-            <a:extLst>
-              <a:ext uri="{FF2B5EF4-FFF2-40B4-BE49-F238E27FC236}">
-                <a16:creationId xmlns:a16="http://schemas.microsoft.com/office/drawing/2014/main" id="{E8DC1045-280E-4CCD-0715-5E02D7A626E1}"/>
+          <p:cNvPr id="5" name="Content Placeholder 4" descr="A graph with different colored bars&#10;&#10;AI-generated content may be incorrect.">
+            <a:extLst>
+              <a:ext uri="{FF2B5EF4-FFF2-40B4-BE49-F238E27FC236}">
+                <a16:creationId xmlns:a16="http://schemas.microsoft.com/office/drawing/2014/main" id="{48C698C9-A0B0-DF53-3128-39C4916609D9}"/>
               </a:ext>
             </a:extLst>
           </p:cNvPr>
           <p:cNvPicPr>
-            <a:picLocks noChangeAspect="1"/>
+            <a:picLocks noGrp="1" noChangeAspect="1"/>
           </p:cNvPicPr>
-          <p:nvPr/>
+          <p:nvPr>
+            <p:ph idx="1"/>
+          </p:nvPr>
         </p:nvPicPr>
         <p:blipFill>
           <a:blip r:embed="rId3"/>
@@ -4748,7 +4664,7 @@
         </p:blipFill>
         <p:spPr>
           <a:xfrm>
-            <a:off x="6210925" y="1778654"/>
+            <a:off x="492940" y="1778654"/>
             <a:ext cx="5297213" cy="3840480"/>
           </a:xfrm>
           <a:prstGeom prst="rect">
@@ -5681,6 +5597,14 @@
 <file path=ppt/slides/slide9.xml><?xml version="1.0" encoding="utf-8"?>
 <p:sld xmlns:a="http://schemas.openxmlformats.org/drawingml/2006/main" xmlns:r="http://schemas.openxmlformats.org/officeDocument/2006/relationships" xmlns:p="http://schemas.openxmlformats.org/presentationml/2006/main">
   <p:cSld>
+    <p:bg>
+      <p:bgPr>
+        <a:solidFill>
+          <a:schemeClr val="bg1"/>
+        </a:solidFill>
+        <a:effectLst/>
+      </p:bgPr>
+    </p:bg>
     <p:spTree>
       <p:nvGrpSpPr>
         <p:cNvPr id="1" name=""/>
@@ -5697,10 +5621,89 @@
       </p:grpSpPr>
       <p:sp>
         <p:nvSpPr>
+          <p:cNvPr id="12" name="Rectangle 11">
+            <a:extLst>
+              <a:ext uri="{FF2B5EF4-FFF2-40B4-BE49-F238E27FC236}">
+                <a16:creationId xmlns:a16="http://schemas.microsoft.com/office/drawing/2014/main" id="{35A92A98-187D-1D81-86FD-8D40CC69B622}"/>
+              </a:ext>
+              <a:ext uri="{C183D7F6-B498-43B3-948B-1728B52AA6E4}">
+                <adec:decorative xmlns:adec="http://schemas.microsoft.com/office/drawing/2017/decorative" val="1"/>
+              </a:ext>
+            </a:extLst>
+          </p:cNvPr>
+          <p:cNvSpPr>
+            <a:spLocks noGrp="1" noRot="1" noChangeAspect="1" noMove="1" noResize="1" noEditPoints="1" noAdjustHandles="1" noChangeArrowheads="1" noChangeShapeType="1" noTextEdit="1"/>
+          </p:cNvSpPr>
+          <p:nvPr>
+            <p:extLst>
+              <p:ext uri="{386F3935-93C4-4BCD-93E2-E3B085C9AB24}">
+                <p16:designElem xmlns:p16="http://schemas.microsoft.com/office/powerpoint/2015/main" val="1"/>
+              </p:ext>
+            </p:extLst>
+          </p:nvPr>
+        </p:nvSpPr>
+        <p:spPr>
+          <a:xfrm>
+            <a:off x="0" y="0"/>
+            <a:ext cx="12192000" cy="6858000"/>
+          </a:xfrm>
+          <a:prstGeom prst="rect">
+            <a:avLst/>
+          </a:prstGeom>
+          <a:solidFill>
+            <a:schemeClr val="bg1"/>
+          </a:solidFill>
+          <a:ln w="12700" cap="flat" cmpd="sng" algn="ctr">
+            <a:noFill/>
+            <a:prstDash val="solid"/>
+            <a:miter lim="800000"/>
+          </a:ln>
+          <a:effectLst/>
+          <a:extLst>
+            <a:ext uri="{91240B29-F687-4F45-9708-019B960494DF}">
+              <a14:hiddenLine xmlns:a14="http://schemas.microsoft.com/office/drawing/2010/main" w="12700" cap="flat" cmpd="sng" algn="ctr">
+                <a:solidFill>
+                  <a:schemeClr val="accent1">
+                    <a:shade val="15000"/>
+                  </a:schemeClr>
+                </a:solidFill>
+                <a:prstDash val="solid"/>
+                <a:miter lim="800000"/>
+              </a14:hiddenLine>
+            </a:ext>
+          </a:extLst>
+        </p:spPr>
+        <p:style>
+          <a:lnRef idx="2">
+            <a:schemeClr val="accent1">
+              <a:shade val="15000"/>
+            </a:schemeClr>
+          </a:lnRef>
+          <a:fillRef idx="1">
+            <a:schemeClr val="accent1"/>
+          </a:fillRef>
+          <a:effectRef idx="0">
+            <a:schemeClr val="accent1"/>
+          </a:effectRef>
+          <a:fontRef idx="minor">
+            <a:schemeClr val="lt1"/>
+          </a:fontRef>
+        </p:style>
+        <p:txBody>
+          <a:bodyPr rtlCol="0" anchor="ctr"/>
+          <a:lstStyle/>
+          <a:p>
+            <a:pPr algn="ctr"/>
+            <a:endParaRPr lang="en-US"/>
+          </a:p>
+        </p:txBody>
+      </p:sp>
+      <p:sp>
+        <p:nvSpPr>
           <p:cNvPr id="2" name="Title 1">
             <a:extLst>
               <a:ext uri="{FF2B5EF4-FFF2-40B4-BE49-F238E27FC236}">
-                <a16:creationId xmlns:a16="http://schemas.microsoft.com/office/drawing/2014/main" id="{F6659788-C975-0677-4293-1E4E6B7766C9}"/>
+                <a16:creationId xmlns:a16="http://schemas.microsoft.com/office/drawing/2014/main" id="{9DBDE9AD-A6E1-FE5F-6473-13163A186FB4}"/>
               </a:ext>
             </a:extLst>
           </p:cNvPr>
@@ -5711,71 +5714,91 @@
             <p:ph type="title"/>
           </p:nvPr>
         </p:nvSpPr>
-        <p:spPr/>
-        <p:txBody>
-          <a:bodyPr/>
-          <a:lstStyle/>
-          <a:p>
-            <a:r>
-              <a:rPr lang="en-US" dirty="0"/>
-              <a:t>Problems</a:t>
-            </a:r>
-          </a:p>
-        </p:txBody>
-      </p:sp>
-      <p:sp>
-        <p:nvSpPr>
-          <p:cNvPr id="3" name="Content Placeholder 2">
-            <a:extLst>
-              <a:ext uri="{FF2B5EF4-FFF2-40B4-BE49-F238E27FC236}">
-                <a16:creationId xmlns:a16="http://schemas.microsoft.com/office/drawing/2014/main" id="{BB1964FD-E551-7A1C-9A9F-3EC66AC025A0}"/>
-              </a:ext>
-            </a:extLst>
-          </p:cNvPr>
-          <p:cNvSpPr>
-            <a:spLocks noGrp="1"/>
-          </p:cNvSpPr>
+        <p:spPr>
+          <a:xfrm>
+            <a:off x="492940" y="473829"/>
+            <a:ext cx="11294162" cy="1170252"/>
+          </a:xfrm>
+        </p:spPr>
+        <p:txBody>
+          <a:bodyPr vert="horz" lIns="91440" tIns="45720" rIns="91440" bIns="45720" rtlCol="0" anchor="b">
+            <a:normAutofit/>
+          </a:bodyPr>
+          <a:lstStyle/>
+          <a:p>
+            <a:r>
+              <a:rPr lang="en-US" sz="3700"/>
+              <a:t>Bus only, High Capacity only, and bus +High Capacity</a:t>
+            </a:r>
+          </a:p>
+        </p:txBody>
+      </p:sp>
+      <p:pic>
+        <p:nvPicPr>
+          <p:cNvPr id="7" name="Picture 6" descr="A graph with multiple colored squares&#10;&#10;AI-generated content may be incorrect.">
+            <a:extLst>
+              <a:ext uri="{FF2B5EF4-FFF2-40B4-BE49-F238E27FC236}">
+                <a16:creationId xmlns:a16="http://schemas.microsoft.com/office/drawing/2014/main" id="{11E581CC-045F-7994-01BA-67BDF7DD8FA3}"/>
+              </a:ext>
+            </a:extLst>
+          </p:cNvPr>
+          <p:cNvPicPr>
+            <a:picLocks noChangeAspect="1"/>
+          </p:cNvPicPr>
+          <p:nvPr/>
+        </p:nvPicPr>
+        <p:blipFill>
+          <a:blip r:embed="rId2"/>
+          <a:stretch>
+            <a:fillRect/>
+          </a:stretch>
+        </p:blipFill>
+        <p:spPr>
+          <a:xfrm>
+            <a:off x="6325849" y="2575722"/>
+            <a:ext cx="5559552" cy="2015337"/>
+          </a:xfrm>
+          <a:prstGeom prst="rect">
+            <a:avLst/>
+          </a:prstGeom>
+        </p:spPr>
+      </p:pic>
+      <p:pic>
+        <p:nvPicPr>
+          <p:cNvPr id="5" name="Content Placeholder 4" descr="A graph with different colored squares&#10;&#10;AI-generated content may be incorrect.">
+            <a:extLst>
+              <a:ext uri="{FF2B5EF4-FFF2-40B4-BE49-F238E27FC236}">
+                <a16:creationId xmlns:a16="http://schemas.microsoft.com/office/drawing/2014/main" id="{521E9624-547F-882E-B3E7-BE66DADDB244}"/>
+              </a:ext>
+            </a:extLst>
+          </p:cNvPr>
+          <p:cNvPicPr>
+            <a:picLocks noGrp="1" noChangeAspect="1"/>
+          </p:cNvPicPr>
           <p:nvPr>
             <p:ph idx="1"/>
           </p:nvPr>
-        </p:nvSpPr>
-        <p:spPr/>
-        <p:txBody>
-          <a:bodyPr/>
-          <a:lstStyle/>
-          <a:p>
-            <a:r>
-              <a:rPr lang="en-US" dirty="0">
-                <a:solidFill>
-                  <a:srgbClr val="FF0000"/>
-                </a:solidFill>
-              </a:rPr>
-              <a:t>Metro gives priority (no trips being double-counted).</a:t>
-            </a:r>
-          </a:p>
-          <a:p>
-            <a:r>
-              <a:rPr lang="en-US" dirty="0">
-                <a:solidFill>
-                  <a:srgbClr val="FF0000"/>
-                </a:solidFill>
-              </a:rPr>
-              <a:t>Percentage calculation? Focuses? </a:t>
-            </a:r>
-          </a:p>
-          <a:p>
-            <a:endParaRPr lang="en-US" dirty="0">
-              <a:solidFill>
-                <a:srgbClr val="FF0000"/>
-              </a:solidFill>
-            </a:endParaRPr>
-          </a:p>
-        </p:txBody>
-      </p:sp>
+        </p:nvPicPr>
+        <p:blipFill>
+          <a:blip r:embed="rId3"/>
+          <a:stretch>
+            <a:fillRect/>
+          </a:stretch>
+        </p:blipFill>
+        <p:spPr>
+          <a:xfrm>
+            <a:off x="383149" y="2575722"/>
+            <a:ext cx="5559552" cy="2015337"/>
+          </a:xfrm>
+          <a:prstGeom prst="rect">
+            <a:avLst/>
+          </a:prstGeom>
+        </p:spPr>
+      </p:pic>
     </p:spTree>
     <p:extLst>
       <p:ext uri="{BB962C8B-B14F-4D97-AF65-F5344CB8AC3E}">
-        <p14:creationId xmlns:p14="http://schemas.microsoft.com/office/powerpoint/2010/main" val="4014377019"/>
+        <p14:creationId xmlns:p14="http://schemas.microsoft.com/office/powerpoint/2010/main" val="993290294"/>
       </p:ext>
     </p:extLst>
   </p:cSld>
